--- a/Lecture/Modeling 4/Modeling_4_Lecture.pptx
+++ b/Lecture/Modeling 4/Modeling_4_Lecture.pptx
@@ -12048,8 +12048,21 @@
                   <a:srgbClr val="404040"/>
                 </a:solidFill>
               </a:rPr>
-              <a:t>Used For Previewing Data</a:t>
-            </a:r>
+              <a:t>Used </a:t>
+            </a:r>
+            <a:r>
+              <a:rPr lang="en-US">
+                <a:solidFill>
+                  <a:srgbClr val="404040"/>
+                </a:solidFill>
+              </a:rPr>
+              <a:t>to Preview Models</a:t>
+            </a:r>
+            <a:endParaRPr lang="en-US" dirty="0">
+              <a:solidFill>
+                <a:srgbClr val="404040"/>
+              </a:solidFill>
+            </a:endParaRPr>
           </a:p>
         </p:txBody>
       </p:sp>
@@ -12887,7 +12900,7 @@
                   <a:srgbClr val="404040"/>
                 </a:solidFill>
               </a:rPr>
-              <a:t>purrr:map</a:t>
+              <a:t>purrr</a:t>
             </a:r>
             <a:r>
               <a:rPr lang="en-US" dirty="0">
@@ -12895,7 +12908,7 @@
                   <a:srgbClr val="404040"/>
                 </a:solidFill>
               </a:rPr>
-              <a:t>() Function</a:t>
+              <a:t>::map() Function</a:t>
             </a:r>
           </a:p>
           <a:p>
@@ -13410,12 +13423,20 @@
               <a:defRPr/>
             </a:pPr>
             <a:r>
+              <a:rPr lang="en-US" dirty="0" err="1">
+                <a:solidFill>
+                  <a:srgbClr val="404040"/>
+                </a:solidFill>
+              </a:rPr>
+              <a:t>purrr</a:t>
+            </a:r>
+            <a:r>
               <a:rPr lang="en-US" dirty="0">
                 <a:solidFill>
                   <a:srgbClr val="404040"/>
                 </a:solidFill>
               </a:rPr>
-              <a:t>purrr:map2() Iterates Function Over Two Arguments</a:t>
+              <a:t>::map2() Iterates Function Over Two Arguments</a:t>
             </a:r>
           </a:p>
           <a:p>
@@ -14093,7 +14114,7 @@
         <p:spPr>
           <a:xfrm>
             <a:off x="3810000" y="643467"/>
-            <a:ext cx="5334000" cy="5632311"/>
+            <a:ext cx="5334000" cy="6370975"/>
           </a:xfrm>
           <a:prstGeom prst="rect">
             <a:avLst/>
@@ -14151,6 +14172,18 @@
               <a:buChar char="•"/>
               <a:defRPr/>
             </a:pPr>
+            <a:endParaRPr lang="en-US" dirty="0">
+              <a:solidFill>
+                <a:srgbClr val="404040"/>
+              </a:solidFill>
+            </a:endParaRPr>
+          </a:p>
+          <a:p>
+            <a:pPr marL="800100" lvl="1" indent="-342900">
+              <a:buFont typeface="Arial" panose="020B0604020202020204" pitchFamily="34" charset="0"/>
+              <a:buChar char="•"/>
+              <a:defRPr/>
+            </a:pPr>
             <a:r>
               <a:rPr lang="en-US" dirty="0">
                 <a:solidFill>
@@ -14159,6 +14192,18 @@
               </a:rPr>
               <a:t>Unzip Folder</a:t>
             </a:r>
+          </a:p>
+          <a:p>
+            <a:pPr marL="800100" lvl="1" indent="-342900">
+              <a:buFont typeface="Arial" panose="020B0604020202020204" pitchFamily="34" charset="0"/>
+              <a:buChar char="•"/>
+              <a:defRPr/>
+            </a:pPr>
+            <a:endParaRPr lang="en-US" dirty="0">
+              <a:solidFill>
+                <a:srgbClr val="404040"/>
+              </a:solidFill>
+            </a:endParaRPr>
           </a:p>
           <a:p>
             <a:pPr marL="800100" lvl="1" indent="-342900">
@@ -14338,7 +14383,7 @@
         </p:nvSpPr>
         <p:spPr>
           <a:xfrm>
-            <a:off x="5029200" y="2590800"/>
+            <a:off x="5050221" y="3958185"/>
             <a:ext cx="1924050" cy="369332"/>
           </a:xfrm>
           <a:prstGeom prst="rect">
@@ -14395,7 +14440,7 @@
         </p:nvSpPr>
         <p:spPr>
           <a:xfrm>
-            <a:off x="5029200" y="3244334"/>
+            <a:off x="5050221" y="3276600"/>
             <a:ext cx="1924050" cy="369332"/>
           </a:xfrm>
           <a:prstGeom prst="rect">
@@ -14452,7 +14497,7 @@
         </p:nvSpPr>
         <p:spPr>
           <a:xfrm>
-            <a:off x="5024658" y="4722799"/>
+            <a:off x="5029200" y="5479535"/>
             <a:ext cx="1924050" cy="369332"/>
           </a:xfrm>
           <a:prstGeom prst="rect">
@@ -14493,7 +14538,7 @@
         </p:nvSpPr>
         <p:spPr>
           <a:xfrm>
-            <a:off x="5024658" y="3983566"/>
+            <a:off x="5050221" y="4724400"/>
             <a:ext cx="1924050" cy="369332"/>
           </a:xfrm>
           <a:prstGeom prst="rect">
@@ -17672,7 +17717,7 @@
         </p:nvSpPr>
         <p:spPr>
           <a:xfrm>
-            <a:off x="3810000" y="609600"/>
+            <a:off x="3810000" y="533400"/>
             <a:ext cx="5334000" cy="6370975"/>
           </a:xfrm>
           <a:prstGeom prst="rect">
